--- a/퍼지숫자.pptx
+++ b/퍼지숫자.pptx
@@ -6368,7 +6368,7 @@
             </p:nvSpPr>
             <p:spPr>
               <a:xfrm>
-                <a:off x="4714875" y="5159147"/>
+                <a:off x="4953000" y="5145540"/>
                 <a:ext cx="523875" cy="466725"/>
               </a:xfrm>
               <a:custGeom>
@@ -6442,7 +6442,7 @@
             </p:nvSpPr>
             <p:spPr>
               <a:xfrm>
-                <a:off x="4714875" y="5159147"/>
+                <a:off x="4953000" y="5145540"/>
                 <a:ext cx="523875" cy="466725"/>
               </a:xfrm>
               <a:prstGeom prst="rect">
@@ -13197,7 +13197,7 @@
             </p:nvSpPr>
             <p:spPr>
               <a:xfrm>
-                <a:off x="654504" y="4982985"/>
+                <a:off x="613682" y="4982985"/>
                 <a:ext cx="1311988" cy="348243"/>
               </a:xfrm>
               <a:custGeom>
@@ -13299,7 +13299,7 @@
             </p:nvSpPr>
             <p:spPr>
               <a:xfrm>
-                <a:off x="654504" y="4982985"/>
+                <a:off x="613682" y="4982985"/>
                 <a:ext cx="1311988" cy="348243"/>
               </a:xfrm>
               <a:prstGeom prst="rect">
@@ -13355,7 +13355,7 @@
         </p:blipFill>
         <p:spPr>
           <a:xfrm>
-            <a:off x="1045608" y="5420454"/>
+            <a:off x="1004786" y="5420454"/>
             <a:ext cx="3322285" cy="957959"/>
           </a:xfrm>
           <a:prstGeom prst="rect">
@@ -15617,8 +15617,8 @@
         </p:nvSpPr>
         <p:spPr>
           <a:xfrm>
-            <a:off x="9055552" y="6463393"/>
-            <a:ext cx="707572" cy="297452"/>
+            <a:off x="9028339" y="6422571"/>
+            <a:ext cx="707572" cy="300174"/>
           </a:xfrm>
           <a:prstGeom prst="rect">
             <a:avLst/>
@@ -15802,7 +15802,7 @@
         <p:spPr>
           <a:xfrm>
             <a:off x="1201216" y="1519759"/>
-            <a:ext cx="4867668" cy="2621052"/>
+            <a:ext cx="4336989" cy="2335302"/>
           </a:xfrm>
           <a:prstGeom prst="rect">
             <a:avLst/>
@@ -15819,14 +15819,15 @@
         </p:nvPicPr>
         <p:blipFill rotWithShape="1">
           <a:blip r:embed="rId4"/>
+          <a:srcRect r="500" b="67840"/>
           <a:stretch>
             <a:fillRect/>
           </a:stretch>
         </p:blipFill>
         <p:spPr>
           <a:xfrm>
-            <a:off x="1455964" y="4276725"/>
-            <a:ext cx="2748642" cy="2346917"/>
+            <a:off x="952499" y="3909332"/>
+            <a:ext cx="2735034" cy="754881"/>
           </a:xfrm>
           <a:prstGeom prst="rect">
             <a:avLst/>
@@ -15843,7 +15844,7 @@
             </p:nvSpPr>
             <p:spPr>
               <a:xfrm>
-                <a:off x="679676" y="4285568"/>
+                <a:off x="339497" y="3904567"/>
                 <a:ext cx="600075" cy="409575"/>
               </a:xfrm>
               <a:custGeom>
@@ -15917,7 +15918,7 @@
             </p:nvSpPr>
             <p:spPr>
               <a:xfrm>
-                <a:off x="679676" y="4285568"/>
+                <a:off x="339497" y="3904567"/>
                 <a:ext cx="600075" cy="409575"/>
               </a:xfrm>
               <a:prstGeom prst="rect">
@@ -15937,14 +15938,14 @@
         <mc:Choice xmlns:a14="http://schemas.microsoft.com/office/drawing/2010/main" Requires="a14">
           <p:sp>
             <p:nvSpPr>
-              <p:cNvPr id="37" name=""/>
+              <p:cNvPr id="38" name=""/>
               <p:cNvSpPr/>
               <p:nvPr/>
             </p:nvSpPr>
             <p:spPr>
               <a:xfrm>
-                <a:off x="4448175" y="5046889"/>
-                <a:ext cx="504825" cy="438150"/>
+                <a:off x="7027408" y="5916386"/>
+                <a:ext cx="885825" cy="438150"/>
               </a:xfrm>
               <a:custGeom>
                 <a:avLst/>
@@ -15999,7 +16000,21 @@
                           <a:latin typeface="Cambria Math"/>
                           <a:sym typeface="Cambria Math"/>
                         </a:rPr>
-                        <m:t>⇒</m:t>
+                        <m:t>A</m:t>
+                      </m:r>
+                      <m:r>
+                        <a:rPr sz="2000">
+                          <a:latin typeface="Cambria Math"/>
+                          <a:sym typeface="Cambria Math"/>
+                        </a:rPr>
+                        <m:t>≤</m:t>
+                      </m:r>
+                      <m:r>
+                        <a:rPr sz="2000">
+                          <a:latin typeface="Cambria Math"/>
+                          <a:sym typeface="Cambria Math"/>
+                        </a:rPr>
+                        <m:t>B</m:t>
                       </m:r>
                     </m:oMath>
                   </m:oMathPara>
@@ -16011,14 +16026,14 @@
         <mc:Fallback>
           <p:sp>
             <p:nvSpPr>
-              <p:cNvPr id="37" name=""/>
+              <p:cNvPr id="38" name=""/>
               <p:cNvSpPr txBox="1"/>
               <p:nvPr/>
             </p:nvSpPr>
             <p:spPr>
               <a:xfrm>
-                <a:off x="4448175" y="5046889"/>
-                <a:ext cx="504825" cy="438150"/>
+                <a:off x="7027408" y="5916386"/>
+                <a:ext cx="885825" cy="438150"/>
               </a:xfrm>
               <a:prstGeom prst="rect">
                 <a:avLst/>
@@ -16037,14 +16052,14 @@
         <mc:Choice xmlns:a14="http://schemas.microsoft.com/office/drawing/2010/main" Requires="a14">
           <p:sp>
             <p:nvSpPr>
-              <p:cNvPr id="38" name=""/>
+              <p:cNvPr id="39" name=""/>
               <p:cNvSpPr/>
               <p:nvPr/>
             </p:nvSpPr>
             <p:spPr>
               <a:xfrm>
-                <a:off x="5408159" y="5087711"/>
-                <a:ext cx="885825" cy="438150"/>
+                <a:off x="3405187" y="4816927"/>
+                <a:ext cx="2343150" cy="1609725"/>
               </a:xfrm>
               <a:custGeom>
                 <a:avLst/>
@@ -16095,25 +16110,428 @@
                     </m:oMathParaPr>
                     <m:oMath xmlns:m="http://schemas.openxmlformats.org/officeDocument/2006/math">
                       <m:r>
-                        <a:rPr sz="2000">
-                          <a:latin typeface="Cambria Math"/>
-                          <a:sym typeface="Cambria Math"/>
-                        </a:rPr>
-                        <m:t>A</m:t>
-                      </m:r>
-                      <m:r>
-                        <a:rPr sz="2000">
-                          <a:latin typeface="Cambria Math"/>
-                          <a:sym typeface="Cambria Math"/>
-                        </a:rPr>
-                        <m:t>≤</m:t>
-                      </m:r>
-                      <m:r>
-                        <a:rPr sz="2000">
-                          <a:latin typeface="Cambria Math"/>
-                          <a:sym typeface="Cambria Math"/>
-                        </a:rPr>
-                        <m:t>B</m:t>
+                        <a:rPr sz="1500" i="0">
+                          <a:latin typeface="Cambria Math"/>
+                          <a:sym typeface="Cambria Math"/>
+                        </a:rPr>
+                        <m:t>ii) 0.5</m:t>
+                      </m:r>
+                      <m:r>
+                        <a:rPr sz="1500" i="0">
+                          <a:latin typeface="Cambria Math"/>
+                          <a:sym typeface="Cambria Math"/>
+                        </a:rPr>
+                        <m:t>&lt;α≤</m:t>
+                      </m:r>
+                      <m:r>
+                        <a:rPr sz="1500" i="0">
+                          <a:latin typeface="Cambria Math"/>
+                          <a:sym typeface="Cambria Math"/>
+                        </a:rPr>
+                        <m:t>1</m:t>
+                      </m:r>
+                    </m:oMath>
+                  </m:oMathPara>
+                </a14:m>
+              </a:p>
+              <a:p>
+                <a:pPr algn="l"/>
+                <a14:m xmlns:m="http://schemas.openxmlformats.org/officeDocument/2006/math">
+                  <m:oMathPara>
+                    <m:oMathParaPr>
+                      <m:jc m:val="left"/>
+                    </m:oMathParaPr>
+                    <m:oMath xmlns:m="http://schemas.openxmlformats.org/officeDocument/2006/math">
+                      <m:sSub>
+                        <m:sSubPr>
+                          <m:ctrlPr>
+                            <a:rPr sz="1500" i="0">
+                              <a:latin typeface="Cambria Math"/>
+                              <a:sym typeface="Cambria Math"/>
+                            </a:rPr>
+                          </m:ctrlPr>
+                        </m:sSubPr>
+                        <m:e>
+                          <m:r>
+                            <a:rPr sz="1500" i="0">
+                              <a:latin typeface="Cambria Math"/>
+                              <a:sym typeface="Cambria Math"/>
+                            </a:rPr>
+                            <m:t>A</m:t>
+                          </m:r>
+                        </m:e>
+                        <m:sub>
+                          <m:r>
+                            <a:rPr sz="1500" i="0">
+                              <a:latin typeface="Cambria Math"/>
+                              <a:sym typeface="Cambria Math"/>
+                            </a:rPr>
+                            <m:t>α</m:t>
+                          </m:r>
+                        </m:sub>
+                      </m:sSub>
+                      <m:r>
+                        <a:rPr sz="1500" i="0">
+                          <a:latin typeface="Cambria Math"/>
+                          <a:sym typeface="Cambria Math"/>
+                        </a:rPr>
+                        <m:t xml:space="preserve"> = { 2 },    </m:t>
+                      </m:r>
+                      <m:r>
+                        <a:rPr sz="1500" i="0">
+                          <a:latin typeface="Cambria Math"/>
+                          <a:sym typeface="Cambria Math"/>
+                        </a:rPr>
+                        <m:t>I</m:t>
+                      </m:r>
+                      <m:r>
+                        <a:rPr sz="1500" i="0">
+                          <a:latin typeface="Cambria Math"/>
+                          <a:sym typeface="Cambria Math"/>
+                        </a:rPr>
+                        <m:t>n</m:t>
+                      </m:r>
+                      <m:r>
+                        <a:rPr sz="1500" i="0">
+                          <a:latin typeface="Cambria Math"/>
+                          <a:sym typeface="Cambria Math"/>
+                        </a:rPr>
+                        <m:t>f</m:t>
+                      </m:r>
+                      <m:r>
+                        <a:rPr sz="1500" i="0">
+                          <a:latin typeface="Cambria Math"/>
+                          <a:sym typeface="Cambria Math"/>
+                        </a:rPr>
+                        <m:t xml:space="preserve"> </m:t>
+                      </m:r>
+                      <m:sSub>
+                        <m:sSubPr>
+                          <m:ctrlPr>
+                            <a:rPr sz="1500" i="0">
+                              <a:latin typeface="Cambria Math"/>
+                              <a:sym typeface="Cambria Math"/>
+                            </a:rPr>
+                          </m:ctrlPr>
+                        </m:sSubPr>
+                        <m:e>
+                          <m:r>
+                            <a:rPr sz="1500" i="0">
+                              <a:latin typeface="Cambria Math"/>
+                              <a:sym typeface="Cambria Math"/>
+                            </a:rPr>
+                            <m:t>A</m:t>
+                          </m:r>
+                        </m:e>
+                        <m:sub>
+                          <m:r>
+                            <a:rPr sz="1500" i="0">
+                              <a:latin typeface="Cambria Math"/>
+                              <a:sym typeface="Cambria Math"/>
+                            </a:rPr>
+                            <m:t>α</m:t>
+                          </m:r>
+                        </m:sub>
+                      </m:sSub>
+                      <m:r>
+                        <a:rPr sz="1500" i="0">
+                          <a:latin typeface="Cambria Math"/>
+                          <a:sym typeface="Cambria Math"/>
+                        </a:rPr>
+                        <m:t xml:space="preserve"> =2</m:t>
+                      </m:r>
+                    </m:oMath>
+                  </m:oMathPara>
+                </a14:m>
+              </a:p>
+              <a:p>
+                <a:pPr algn="l"/>
+                <a14:m xmlns:m="http://schemas.openxmlformats.org/officeDocument/2006/math">
+                  <m:oMathPara>
+                    <m:oMathParaPr>
+                      <m:jc m:val="left"/>
+                    </m:oMathParaPr>
+                    <m:oMath xmlns:m="http://schemas.openxmlformats.org/officeDocument/2006/math">
+                      <m:r>
+                        <a:rPr sz="1500" i="0">
+                          <a:latin typeface="Cambria Math"/>
+                          <a:sym typeface="Cambria Math"/>
+                        </a:rPr>
+                        <m:t xml:space="preserve">                        </m:t>
+                      </m:r>
+                      <m:r>
+                        <a:rPr sz="1500" i="0">
+                          <a:latin typeface="Cambria Math"/>
+                          <a:sym typeface="Cambria Math"/>
+                        </a:rPr>
+                        <m:t>S</m:t>
+                      </m:r>
+                      <m:r>
+                        <a:rPr sz="1500" i="0">
+                          <a:latin typeface="Cambria Math"/>
+                          <a:sym typeface="Cambria Math"/>
+                        </a:rPr>
+                        <m:t>u</m:t>
+                      </m:r>
+                      <m:r>
+                        <a:rPr sz="1500" i="0">
+                          <a:latin typeface="Cambria Math"/>
+                          <a:sym typeface="Cambria Math"/>
+                        </a:rPr>
+                        <m:t>p</m:t>
+                      </m:r>
+                      <m:r>
+                        <a:rPr sz="1500" i="0">
+                          <a:latin typeface="Cambria Math"/>
+                          <a:sym typeface="Cambria Math"/>
+                        </a:rPr>
+                        <m:t xml:space="preserve"> </m:t>
+                      </m:r>
+                      <m:sSub>
+                        <m:sSubPr>
+                          <m:ctrlPr>
+                            <a:rPr sz="1500" i="0">
+                              <a:latin typeface="Cambria Math"/>
+                              <a:sym typeface="Cambria Math"/>
+                            </a:rPr>
+                          </m:ctrlPr>
+                        </m:sSubPr>
+                        <m:e>
+                          <m:r>
+                            <a:rPr sz="1500" i="0">
+                              <a:latin typeface="Cambria Math"/>
+                              <a:sym typeface="Cambria Math"/>
+                            </a:rPr>
+                            <m:t>A</m:t>
+                          </m:r>
+                        </m:e>
+                        <m:sub>
+                          <m:r>
+                            <a:rPr sz="1500" i="0">
+                              <a:latin typeface="Cambria Math"/>
+                              <a:sym typeface="Cambria Math"/>
+                            </a:rPr>
+                            <m:t>α</m:t>
+                          </m:r>
+                        </m:sub>
+                      </m:sSub>
+                      <m:r>
+                        <a:rPr sz="1500" i="0">
+                          <a:latin typeface="Cambria Math"/>
+                          <a:sym typeface="Cambria Math"/>
+                        </a:rPr>
+                        <m:t xml:space="preserve"> =2 </m:t>
+                      </m:r>
+                    </m:oMath>
+                  </m:oMathPara>
+                </a14:m>
+              </a:p>
+              <a:p>
+                <a:pPr algn="l"/>
+                <a14:m xmlns:m="http://schemas.openxmlformats.org/officeDocument/2006/math">
+                  <m:oMathPara>
+                    <m:oMathParaPr>
+                      <m:jc m:val="left"/>
+                    </m:oMathParaPr>
+                    <m:oMath xmlns:m="http://schemas.openxmlformats.org/officeDocument/2006/math">
+                      <m:r>
+                        <a:rPr sz="1500" i="0">
+                          <a:latin typeface="Cambria Math"/>
+                          <a:sym typeface="Cambria Math"/>
+                        </a:rPr>
+                        <m:t xml:space="preserve"> </m:t>
+                      </m:r>
+                    </m:oMath>
+                  </m:oMathPara>
+                </a14:m>
+              </a:p>
+              <a:p>
+                <a:pPr algn="l"/>
+                <a14:m xmlns:m="http://schemas.openxmlformats.org/officeDocument/2006/math">
+                  <m:oMathPara>
+                    <m:oMathParaPr>
+                      <m:jc m:val="left"/>
+                    </m:oMathParaPr>
+                    <m:oMath xmlns:m="http://schemas.openxmlformats.org/officeDocument/2006/math">
+                      <m:sSub>
+                        <m:sSubPr>
+                          <m:ctrlPr>
+                            <a:rPr sz="1500" i="0">
+                              <a:latin typeface="Cambria Math"/>
+                              <a:sym typeface="Cambria Math"/>
+                            </a:rPr>
+                          </m:ctrlPr>
+                        </m:sSubPr>
+                        <m:e>
+                          <m:r>
+                            <a:rPr sz="1500" i="0">
+                              <a:latin typeface="Cambria Math"/>
+                              <a:sym typeface="Cambria Math"/>
+                            </a:rPr>
+                            <m:t>B</m:t>
+                          </m:r>
+                        </m:e>
+                        <m:sub>
+                          <m:r>
+                            <a:rPr sz="1500" i="0">
+                              <a:latin typeface="Cambria Math"/>
+                              <a:sym typeface="Cambria Math"/>
+                            </a:rPr>
+                            <m:t>α</m:t>
+                          </m:r>
+                        </m:sub>
+                      </m:sSub>
+                      <m:r>
+                        <a:rPr sz="1500" i="0">
+                          <a:latin typeface="Cambria Math"/>
+                          <a:sym typeface="Cambria Math"/>
+                        </a:rPr>
+                        <m:t xml:space="preserve"> = { 3 },    </m:t>
+                      </m:r>
+                      <m:r>
+                        <a:rPr sz="1500" i="0">
+                          <a:latin typeface="Cambria Math"/>
+                          <a:sym typeface="Cambria Math"/>
+                        </a:rPr>
+                        <m:t>I</m:t>
+                      </m:r>
+                      <m:r>
+                        <a:rPr sz="1500" i="0">
+                          <a:latin typeface="Cambria Math"/>
+                          <a:sym typeface="Cambria Math"/>
+                        </a:rPr>
+                        <m:t>n</m:t>
+                      </m:r>
+                      <m:r>
+                        <a:rPr sz="1500" i="0">
+                          <a:latin typeface="Cambria Math"/>
+                          <a:sym typeface="Cambria Math"/>
+                        </a:rPr>
+                        <m:t>f</m:t>
+                      </m:r>
+                      <m:r>
+                        <a:rPr sz="1500" i="0">
+                          <a:latin typeface="Cambria Math"/>
+                          <a:sym typeface="Cambria Math"/>
+                        </a:rPr>
+                        <m:t xml:space="preserve"> </m:t>
+                      </m:r>
+                      <m:sSub>
+                        <m:sSubPr>
+                          <m:ctrlPr>
+                            <a:rPr sz="1500" i="0">
+                              <a:latin typeface="Cambria Math"/>
+                              <a:sym typeface="Cambria Math"/>
+                            </a:rPr>
+                          </m:ctrlPr>
+                        </m:sSubPr>
+                        <m:e>
+                          <m:r>
+                            <a:rPr sz="1500" i="0">
+                              <a:latin typeface="Cambria Math"/>
+                              <a:sym typeface="Cambria Math"/>
+                            </a:rPr>
+                            <m:t>B</m:t>
+                          </m:r>
+                        </m:e>
+                        <m:sub>
+                          <m:r>
+                            <a:rPr sz="1500" i="0">
+                              <a:latin typeface="Cambria Math"/>
+                              <a:sym typeface="Cambria Math"/>
+                            </a:rPr>
+                            <m:t>α</m:t>
+                          </m:r>
+                        </m:sub>
+                      </m:sSub>
+                      <m:r>
+                        <a:rPr sz="1500" i="0">
+                          <a:latin typeface="Cambria Math"/>
+                          <a:sym typeface="Cambria Math"/>
+                        </a:rPr>
+                        <m:t xml:space="preserve"> =3</m:t>
+                      </m:r>
+                    </m:oMath>
+                  </m:oMathPara>
+                </a14:m>
+              </a:p>
+              <a:p>
+                <a:pPr algn="l"/>
+                <a14:m xmlns:m="http://schemas.openxmlformats.org/officeDocument/2006/math">
+                  <m:oMathPara>
+                    <m:oMathParaPr>
+                      <m:jc m:val="left"/>
+                    </m:oMathParaPr>
+                    <m:oMath xmlns:m="http://schemas.openxmlformats.org/officeDocument/2006/math">
+                      <m:r>
+                        <a:rPr sz="1500" i="0">
+                          <a:latin typeface="Cambria Math"/>
+                          <a:sym typeface="Cambria Math"/>
+                        </a:rPr>
+                        <m:t xml:space="preserve">                        </m:t>
+                      </m:r>
+                      <m:r>
+                        <a:rPr sz="1500" i="0">
+                          <a:latin typeface="Cambria Math"/>
+                          <a:sym typeface="Cambria Math"/>
+                        </a:rPr>
+                        <m:t>S</m:t>
+                      </m:r>
+                      <m:r>
+                        <a:rPr sz="1500" i="0">
+                          <a:latin typeface="Cambria Math"/>
+                          <a:sym typeface="Cambria Math"/>
+                        </a:rPr>
+                        <m:t>u</m:t>
+                      </m:r>
+                      <m:r>
+                        <a:rPr sz="1500" i="0">
+                          <a:latin typeface="Cambria Math"/>
+                          <a:sym typeface="Cambria Math"/>
+                        </a:rPr>
+                        <m:t>p</m:t>
+                      </m:r>
+                      <m:r>
+                        <a:rPr sz="1500" i="0">
+                          <a:latin typeface="Cambria Math"/>
+                          <a:sym typeface="Cambria Math"/>
+                        </a:rPr>
+                        <m:t xml:space="preserve"> </m:t>
+                      </m:r>
+                      <m:sSub>
+                        <m:sSubPr>
+                          <m:ctrlPr>
+                            <a:rPr sz="1500" i="0">
+                              <a:latin typeface="Cambria Math"/>
+                              <a:sym typeface="Cambria Math"/>
+                            </a:rPr>
+                          </m:ctrlPr>
+                        </m:sSubPr>
+                        <m:e>
+                          <m:r>
+                            <a:rPr sz="1500" i="0">
+                              <a:latin typeface="Cambria Math"/>
+                              <a:sym typeface="Cambria Math"/>
+                            </a:rPr>
+                            <m:t>B</m:t>
+                          </m:r>
+                        </m:e>
+                        <m:sub>
+                          <m:r>
+                            <a:rPr sz="1500" i="0">
+                              <a:latin typeface="Cambria Math"/>
+                              <a:sym typeface="Cambria Math"/>
+                            </a:rPr>
+                            <m:t>α</m:t>
+                          </m:r>
+                        </m:sub>
+                      </m:sSub>
+                      <m:r>
+                        <a:rPr sz="1500" i="0">
+                          <a:latin typeface="Cambria Math"/>
+                          <a:sym typeface="Cambria Math"/>
+                        </a:rPr>
+                        <m:t xml:space="preserve"> =3 </m:t>
                       </m:r>
                     </m:oMath>
                   </m:oMathPara>
@@ -16125,20 +16543,880 @@
         <mc:Fallback>
           <p:sp>
             <p:nvSpPr>
-              <p:cNvPr id="38" name=""/>
+              <p:cNvPr id="39" name=""/>
               <p:cNvSpPr txBox="1"/>
               <p:nvPr/>
             </p:nvSpPr>
             <p:spPr>
               <a:xfrm>
-                <a:off x="5408159" y="5087711"/>
-                <a:ext cx="885825" cy="438150"/>
+                <a:off x="3405187" y="4816927"/>
+                <a:ext cx="2343150" cy="1609725"/>
               </a:xfrm>
               <a:prstGeom prst="rect">
                 <a:avLst/>
               </a:prstGeom>
               <a:blipFill rotWithShape="1">
                 <a:blip r:embed="rId7"/>
+                <a:stretch>
+                  <a:fillRect/>
+                </a:stretch>
+              </a:blipFill>
+            </p:spPr>
+          </p:sp>
+        </mc:Fallback>
+      </mc:AlternateContent>
+      <mc:AlternateContent xmlns:mc="http://schemas.openxmlformats.org/markup-compatibility/2006">
+        <mc:Choice xmlns:a14="http://schemas.microsoft.com/office/drawing/2010/main" Requires="a14">
+          <p:sp>
+            <p:nvSpPr>
+              <p:cNvPr id="40" name=""/>
+              <p:cNvSpPr/>
+              <p:nvPr/>
+            </p:nvSpPr>
+            <p:spPr>
+              <a:xfrm>
+                <a:off x="772205" y="4803323"/>
+                <a:ext cx="2476500" cy="1609725"/>
+              </a:xfrm>
+              <a:custGeom>
+                <a:avLst/>
+                <a:gdLst/>
+                <a:cxnLst>
+                  <a:cxn ang="3cd4">
+                    <a:pos x="hc" y="t"/>
+                  </a:cxn>
+                  <a:cxn ang="cd2">
+                    <a:pos x="l" y="vc"/>
+                  </a:cxn>
+                  <a:cxn ang="cd4">
+                    <a:pos x="hc" y="b"/>
+                  </a:cxn>
+                  <a:cxn ang="0">
+                    <a:pos x="r" y="vc"/>
+                  </a:cxn>
+                </a:cxnLst>
+                <a:rect l="l" t="t" r="r" b="b"/>
+                <a:pathLst>
+                  <a:path w="914400" h="914400">
+                    <a:moveTo>
+                      <a:pt x="0" y="0"/>
+                    </a:moveTo>
+                    <a:lnTo>
+                      <a:pt x="914400" y="0"/>
+                    </a:lnTo>
+                    <a:lnTo>
+                      <a:pt x="914400" y="914400"/>
+                    </a:lnTo>
+                    <a:lnTo>
+                      <a:pt x="0" y="914400"/>
+                    </a:lnTo>
+                    <a:close/>
+                  </a:path>
+                </a:pathLst>
+              </a:custGeom>
+            </p:spPr>
+            <p:txBody>
+              <a:bodyPr/>
+              <a:lstStyle/>
+              <a:p>
+                <a:pPr algn="l"/>
+                <a14:m xmlns:m="http://schemas.openxmlformats.org/officeDocument/2006/math">
+                  <m:oMathPara>
+                    <m:oMathParaPr>
+                      <m:jc m:val="left"/>
+                    </m:oMathParaPr>
+                    <m:oMath xmlns:m="http://schemas.openxmlformats.org/officeDocument/2006/math">
+                      <m:r>
+                        <a:rPr sz="1500" i="0">
+                          <a:latin typeface="Cambria Math"/>
+                          <a:sym typeface="Cambria Math"/>
+                        </a:rPr>
+                        <m:t>i) 0</m:t>
+                      </m:r>
+                      <m:r>
+                        <a:rPr sz="1500" i="0">
+                          <a:latin typeface="Cambria Math"/>
+                          <a:sym typeface="Cambria Math"/>
+                        </a:rPr>
+                        <m:t>≤α≤</m:t>
+                      </m:r>
+                      <m:r>
+                        <a:rPr sz="1500" i="0">
+                          <a:latin typeface="Cambria Math"/>
+                          <a:sym typeface="Cambria Math"/>
+                        </a:rPr>
+                        <m:t>0.5</m:t>
+                      </m:r>
+                    </m:oMath>
+                  </m:oMathPara>
+                </a14:m>
+              </a:p>
+              <a:p>
+                <a:pPr algn="l"/>
+                <a14:m xmlns:m="http://schemas.openxmlformats.org/officeDocument/2006/math">
+                  <m:oMathPara>
+                    <m:oMathParaPr>
+                      <m:jc m:val="left"/>
+                    </m:oMathParaPr>
+                    <m:oMath xmlns:m="http://schemas.openxmlformats.org/officeDocument/2006/math">
+                      <m:sSub>
+                        <m:sSubPr>
+                          <m:ctrlPr>
+                            <a:rPr sz="1500" i="0">
+                              <a:latin typeface="Cambria Math"/>
+                              <a:sym typeface="Cambria Math"/>
+                            </a:rPr>
+                          </m:ctrlPr>
+                        </m:sSubPr>
+                        <m:e>
+                          <m:r>
+                            <a:rPr sz="1500" i="0">
+                              <a:latin typeface="Cambria Math"/>
+                              <a:sym typeface="Cambria Math"/>
+                            </a:rPr>
+                            <m:t>A</m:t>
+                          </m:r>
+                        </m:e>
+                        <m:sub>
+                          <m:r>
+                            <a:rPr sz="1500" i="0">
+                              <a:latin typeface="Cambria Math"/>
+                              <a:sym typeface="Cambria Math"/>
+                            </a:rPr>
+                            <m:t>α</m:t>
+                          </m:r>
+                        </m:sub>
+                      </m:sSub>
+                      <m:r>
+                        <a:rPr sz="1500" i="0">
+                          <a:latin typeface="Cambria Math"/>
+                          <a:sym typeface="Cambria Math"/>
+                        </a:rPr>
+                        <m:t xml:space="preserve">= { 2 </m:t>
+                      </m:r>
+                      <m:r>
+                        <a:rPr sz="1500" i="0">
+                          <a:latin typeface="Cambria Math"/>
+                          <a:sym typeface="Cambria Math"/>
+                        </a:rPr>
+                        <m:t>, 3</m:t>
+                      </m:r>
+                      <m:r>
+                        <a:rPr sz="1500" i="0">
+                          <a:latin typeface="Cambria Math"/>
+                          <a:sym typeface="Cambria Math"/>
+                        </a:rPr>
+                        <m:t xml:space="preserve">},    </m:t>
+                      </m:r>
+                      <m:r>
+                        <a:rPr sz="1500" i="0">
+                          <a:latin typeface="Cambria Math"/>
+                          <a:sym typeface="Cambria Math"/>
+                        </a:rPr>
+                        <m:t>I</m:t>
+                      </m:r>
+                      <m:r>
+                        <a:rPr sz="1500" i="0">
+                          <a:latin typeface="Cambria Math"/>
+                          <a:sym typeface="Cambria Math"/>
+                        </a:rPr>
+                        <m:t>n</m:t>
+                      </m:r>
+                      <m:r>
+                        <a:rPr sz="1500" i="0">
+                          <a:latin typeface="Cambria Math"/>
+                          <a:sym typeface="Cambria Math"/>
+                        </a:rPr>
+                        <m:t>f</m:t>
+                      </m:r>
+                      <m:r>
+                        <a:rPr sz="1500" i="0">
+                          <a:latin typeface="Cambria Math"/>
+                          <a:sym typeface="Cambria Math"/>
+                        </a:rPr>
+                        <m:t xml:space="preserve"> </m:t>
+                      </m:r>
+                      <m:sSub>
+                        <m:sSubPr>
+                          <m:ctrlPr>
+                            <a:rPr sz="1500" i="0">
+                              <a:latin typeface="Cambria Math"/>
+                              <a:sym typeface="Cambria Math"/>
+                            </a:rPr>
+                          </m:ctrlPr>
+                        </m:sSubPr>
+                        <m:e>
+                          <m:r>
+                            <a:rPr sz="1500" i="0">
+                              <a:latin typeface="Cambria Math"/>
+                              <a:sym typeface="Cambria Math"/>
+                            </a:rPr>
+                            <m:t>A</m:t>
+                          </m:r>
+                        </m:e>
+                        <m:sub>
+                          <m:r>
+                            <a:rPr sz="1500" i="0">
+                              <a:latin typeface="Cambria Math"/>
+                              <a:sym typeface="Cambria Math"/>
+                            </a:rPr>
+                            <m:t>α</m:t>
+                          </m:r>
+                        </m:sub>
+                      </m:sSub>
+                      <m:r>
+                        <a:rPr sz="1500" i="0">
+                          <a:latin typeface="Cambria Math"/>
+                          <a:sym typeface="Cambria Math"/>
+                        </a:rPr>
+                        <m:t xml:space="preserve"> =2</m:t>
+                      </m:r>
+                    </m:oMath>
+                  </m:oMathPara>
+                </a14:m>
+              </a:p>
+              <a:p>
+                <a:pPr algn="l"/>
+                <a14:m xmlns:m="http://schemas.openxmlformats.org/officeDocument/2006/math">
+                  <m:oMathPara>
+                    <m:oMathParaPr>
+                      <m:jc m:val="left"/>
+                    </m:oMathParaPr>
+                    <m:oMath xmlns:m="http://schemas.openxmlformats.org/officeDocument/2006/math">
+                      <m:r>
+                        <a:rPr sz="1500" i="0">
+                          <a:latin typeface="Cambria Math"/>
+                          <a:sym typeface="Cambria Math"/>
+                        </a:rPr>
+                        <m:t xml:space="preserve">                        </m:t>
+                      </m:r>
+                      <m:r>
+                        <a:rPr sz="1500" i="0">
+                          <a:latin typeface="Cambria Math"/>
+                          <a:sym typeface="Cambria Math"/>
+                        </a:rPr>
+                        <m:t xml:space="preserve">   </m:t>
+                      </m:r>
+                      <m:r>
+                        <a:rPr sz="1500" i="0">
+                          <a:latin typeface="Cambria Math"/>
+                          <a:sym typeface="Cambria Math"/>
+                        </a:rPr>
+                        <m:t>S</m:t>
+                      </m:r>
+                      <m:r>
+                        <a:rPr sz="1500" i="0">
+                          <a:latin typeface="Cambria Math"/>
+                          <a:sym typeface="Cambria Math"/>
+                        </a:rPr>
+                        <m:t>u</m:t>
+                      </m:r>
+                      <m:r>
+                        <a:rPr sz="1500" i="0">
+                          <a:latin typeface="Cambria Math"/>
+                          <a:sym typeface="Cambria Math"/>
+                        </a:rPr>
+                        <m:t>p</m:t>
+                      </m:r>
+                      <m:r>
+                        <a:rPr sz="1500" i="0">
+                          <a:latin typeface="Cambria Math"/>
+                          <a:sym typeface="Cambria Math"/>
+                        </a:rPr>
+                        <m:t xml:space="preserve"> </m:t>
+                      </m:r>
+                      <m:sSub>
+                        <m:sSubPr>
+                          <m:ctrlPr>
+                            <a:rPr sz="1500" i="0">
+                              <a:latin typeface="Cambria Math"/>
+                              <a:sym typeface="Cambria Math"/>
+                            </a:rPr>
+                          </m:ctrlPr>
+                        </m:sSubPr>
+                        <m:e>
+                          <m:r>
+                            <a:rPr sz="1500" i="0">
+                              <a:latin typeface="Cambria Math"/>
+                              <a:sym typeface="Cambria Math"/>
+                            </a:rPr>
+                            <m:t>A</m:t>
+                          </m:r>
+                        </m:e>
+                        <m:sub>
+                          <m:r>
+                            <a:rPr sz="1500" i="0">
+                              <a:latin typeface="Cambria Math"/>
+                              <a:sym typeface="Cambria Math"/>
+                            </a:rPr>
+                            <m:t>α</m:t>
+                          </m:r>
+                        </m:sub>
+                      </m:sSub>
+                      <m:r>
+                        <a:rPr sz="1500" i="0">
+                          <a:latin typeface="Cambria Math"/>
+                          <a:sym typeface="Cambria Math"/>
+                        </a:rPr>
+                        <m:t xml:space="preserve"> =</m:t>
+                      </m:r>
+                      <m:r>
+                        <a:rPr sz="1500" i="0">
+                          <a:latin typeface="Cambria Math"/>
+                          <a:sym typeface="Cambria Math"/>
+                        </a:rPr>
+                        <m:t>3</m:t>
+                      </m:r>
+                      <m:r>
+                        <a:rPr sz="1500" i="0">
+                          <a:latin typeface="Cambria Math"/>
+                          <a:sym typeface="Cambria Math"/>
+                        </a:rPr>
+                        <m:t xml:space="preserve"> </m:t>
+                      </m:r>
+                    </m:oMath>
+                  </m:oMathPara>
+                </a14:m>
+              </a:p>
+              <a:p>
+                <a:pPr algn="l"/>
+                <a14:m xmlns:m="http://schemas.openxmlformats.org/officeDocument/2006/math">
+                  <m:oMathPara>
+                    <m:oMathParaPr>
+                      <m:jc m:val="left"/>
+                    </m:oMathParaPr>
+                    <m:oMath xmlns:m="http://schemas.openxmlformats.org/officeDocument/2006/math">
+                      <m:r>
+                        <a:rPr sz="1500" i="0">
+                          <a:latin typeface="Cambria Math"/>
+                          <a:sym typeface="Cambria Math"/>
+                        </a:rPr>
+                        <m:t xml:space="preserve"> </m:t>
+                      </m:r>
+                    </m:oMath>
+                  </m:oMathPara>
+                </a14:m>
+              </a:p>
+              <a:p>
+                <a:pPr algn="l"/>
+                <a14:m xmlns:m="http://schemas.openxmlformats.org/officeDocument/2006/math">
+                  <m:oMathPara>
+                    <m:oMathParaPr>
+                      <m:jc m:val="left"/>
+                    </m:oMathParaPr>
+                    <m:oMath xmlns:m="http://schemas.openxmlformats.org/officeDocument/2006/math">
+                      <m:sSub>
+                        <m:sSubPr>
+                          <m:ctrlPr>
+                            <a:rPr sz="1500" i="0">
+                              <a:latin typeface="Cambria Math"/>
+                              <a:sym typeface="Cambria Math"/>
+                            </a:rPr>
+                          </m:ctrlPr>
+                        </m:sSubPr>
+                        <m:e>
+                          <m:r>
+                            <a:rPr sz="1500" i="0">
+                              <a:latin typeface="Cambria Math"/>
+                              <a:sym typeface="Cambria Math"/>
+                            </a:rPr>
+                            <m:t>B</m:t>
+                          </m:r>
+                        </m:e>
+                        <m:sub>
+                          <m:r>
+                            <a:rPr sz="1500" i="0">
+                              <a:latin typeface="Cambria Math"/>
+                              <a:sym typeface="Cambria Math"/>
+                            </a:rPr>
+                            <m:t>α</m:t>
+                          </m:r>
+                        </m:sub>
+                      </m:sSub>
+                      <m:r>
+                        <a:rPr sz="1500" i="0">
+                          <a:latin typeface="Cambria Math"/>
+                          <a:sym typeface="Cambria Math"/>
+                        </a:rPr>
+                        <m:t xml:space="preserve"> = { 3</m:t>
+                      </m:r>
+                      <m:r>
+                        <a:rPr sz="1500" i="0">
+                          <a:latin typeface="Cambria Math"/>
+                          <a:sym typeface="Cambria Math"/>
+                        </a:rPr>
+                        <m:t>, 4</m:t>
+                      </m:r>
+                      <m:r>
+                        <a:rPr sz="1500" i="0">
+                          <a:latin typeface="Cambria Math"/>
+                          <a:sym typeface="Cambria Math"/>
+                        </a:rPr>
+                        <m:t xml:space="preserve"> },    </m:t>
+                      </m:r>
+                      <m:r>
+                        <a:rPr sz="1500" i="0">
+                          <a:latin typeface="Cambria Math"/>
+                          <a:sym typeface="Cambria Math"/>
+                        </a:rPr>
+                        <m:t>I</m:t>
+                      </m:r>
+                      <m:r>
+                        <a:rPr sz="1500" i="0">
+                          <a:latin typeface="Cambria Math"/>
+                          <a:sym typeface="Cambria Math"/>
+                        </a:rPr>
+                        <m:t>n</m:t>
+                      </m:r>
+                      <m:r>
+                        <a:rPr sz="1500" i="0">
+                          <a:latin typeface="Cambria Math"/>
+                          <a:sym typeface="Cambria Math"/>
+                        </a:rPr>
+                        <m:t>f</m:t>
+                      </m:r>
+                      <m:r>
+                        <a:rPr sz="1500" i="0">
+                          <a:latin typeface="Cambria Math"/>
+                          <a:sym typeface="Cambria Math"/>
+                        </a:rPr>
+                        <m:t xml:space="preserve"> </m:t>
+                      </m:r>
+                      <m:sSub>
+                        <m:sSubPr>
+                          <m:ctrlPr>
+                            <a:rPr sz="1500" i="0">
+                              <a:latin typeface="Cambria Math"/>
+                              <a:sym typeface="Cambria Math"/>
+                            </a:rPr>
+                          </m:ctrlPr>
+                        </m:sSubPr>
+                        <m:e>
+                          <m:r>
+                            <a:rPr sz="1500" i="0">
+                              <a:latin typeface="Cambria Math"/>
+                              <a:sym typeface="Cambria Math"/>
+                            </a:rPr>
+                            <m:t>B</m:t>
+                          </m:r>
+                        </m:e>
+                        <m:sub>
+                          <m:r>
+                            <a:rPr sz="1500" i="0">
+                              <a:latin typeface="Cambria Math"/>
+                              <a:sym typeface="Cambria Math"/>
+                            </a:rPr>
+                            <m:t>α</m:t>
+                          </m:r>
+                        </m:sub>
+                      </m:sSub>
+                      <m:r>
+                        <a:rPr sz="1500" i="0">
+                          <a:latin typeface="Cambria Math"/>
+                          <a:sym typeface="Cambria Math"/>
+                        </a:rPr>
+                        <m:t xml:space="preserve"> =3</m:t>
+                      </m:r>
+                    </m:oMath>
+                  </m:oMathPara>
+                </a14:m>
+              </a:p>
+              <a:p>
+                <a:pPr algn="l"/>
+                <a14:m xmlns:m="http://schemas.openxmlformats.org/officeDocument/2006/math">
+                  <m:oMathPara>
+                    <m:oMathParaPr>
+                      <m:jc m:val="left"/>
+                    </m:oMathParaPr>
+                    <m:oMath xmlns:m="http://schemas.openxmlformats.org/officeDocument/2006/math">
+                      <m:r>
+                        <a:rPr sz="1500" i="0">
+                          <a:latin typeface="Cambria Math"/>
+                          <a:sym typeface="Cambria Math"/>
+                        </a:rPr>
+                        <m:t xml:space="preserve">                        </m:t>
+                      </m:r>
+                      <m:r>
+                        <a:rPr sz="1500" i="0">
+                          <a:latin typeface="Cambria Math"/>
+                          <a:sym typeface="Cambria Math"/>
+                        </a:rPr>
+                        <m:t xml:space="preserve">   </m:t>
+                      </m:r>
+                      <m:r>
+                        <a:rPr sz="1500" i="0">
+                          <a:latin typeface="Cambria Math"/>
+                          <a:sym typeface="Cambria Math"/>
+                        </a:rPr>
+                        <m:t>Su</m:t>
+                      </m:r>
+                      <m:r>
+                        <a:rPr sz="1500" i="0">
+                          <a:latin typeface="Cambria Math"/>
+                          <a:sym typeface="Cambria Math"/>
+                        </a:rPr>
+                        <m:t>p</m:t>
+                      </m:r>
+                      <m:r>
+                        <a:rPr sz="1500" i="0">
+                          <a:latin typeface="Cambria Math"/>
+                          <a:sym typeface="Cambria Math"/>
+                        </a:rPr>
+                        <m:t xml:space="preserve"> </m:t>
+                      </m:r>
+                      <m:sSub>
+                        <m:sSubPr>
+                          <m:ctrlPr>
+                            <a:rPr sz="1500" i="0">
+                              <a:latin typeface="Cambria Math"/>
+                              <a:sym typeface="Cambria Math"/>
+                            </a:rPr>
+                          </m:ctrlPr>
+                        </m:sSubPr>
+                        <m:e>
+                          <m:r>
+                            <a:rPr sz="1500" i="0">
+                              <a:latin typeface="Cambria Math"/>
+                              <a:sym typeface="Cambria Math"/>
+                            </a:rPr>
+                            <m:t>B</m:t>
+                          </m:r>
+                        </m:e>
+                        <m:sub>
+                          <m:r>
+                            <a:rPr sz="1500" i="0">
+                              <a:latin typeface="Cambria Math"/>
+                              <a:sym typeface="Cambria Math"/>
+                            </a:rPr>
+                            <m:t>α</m:t>
+                          </m:r>
+                        </m:sub>
+                      </m:sSub>
+                      <m:r>
+                        <a:rPr sz="1500" i="0">
+                          <a:latin typeface="Cambria Math"/>
+                          <a:sym typeface="Cambria Math"/>
+                        </a:rPr>
+                        <m:t xml:space="preserve"> =</m:t>
+                      </m:r>
+                      <m:r>
+                        <a:rPr sz="1500" i="0">
+                          <a:latin typeface="Cambria Math"/>
+                          <a:sym typeface="Cambria Math"/>
+                        </a:rPr>
+                        <m:t>4</m:t>
+                      </m:r>
+                      <m:r>
+                        <a:rPr sz="1500" i="0">
+                          <a:latin typeface="Cambria Math"/>
+                          <a:sym typeface="Cambria Math"/>
+                        </a:rPr>
+                        <m:t xml:space="preserve"> </m:t>
+                      </m:r>
+                    </m:oMath>
+                  </m:oMathPara>
+                </a14:m>
+              </a:p>
+            </p:txBody>
+          </p:sp>
+        </mc:Choice>
+        <mc:Fallback>
+          <p:sp>
+            <p:nvSpPr>
+              <p:cNvPr id="40" name=""/>
+              <p:cNvSpPr txBox="1"/>
+              <p:nvPr/>
+            </p:nvSpPr>
+            <p:spPr>
+              <a:xfrm>
+                <a:off x="772205" y="4803323"/>
+                <a:ext cx="2476500" cy="1609725"/>
+              </a:xfrm>
+              <a:prstGeom prst="rect">
+                <a:avLst/>
+              </a:prstGeom>
+              <a:blipFill rotWithShape="1">
+                <a:blip r:embed="rId8"/>
+                <a:stretch>
+                  <a:fillRect/>
+                </a:stretch>
+              </a:blipFill>
+            </p:spPr>
+          </p:sp>
+        </mc:Fallback>
+      </mc:AlternateContent>
+      <mc:AlternateContent xmlns:mc="http://schemas.openxmlformats.org/markup-compatibility/2006">
+        <mc:Choice xmlns:a14="http://schemas.microsoft.com/office/drawing/2010/main" Requires="a14">
+          <p:sp>
+            <p:nvSpPr>
+              <p:cNvPr id="41" name=""/>
+              <p:cNvSpPr/>
+              <p:nvPr/>
+            </p:nvSpPr>
+            <p:spPr>
+              <a:xfrm>
+                <a:off x="6364062" y="5099957"/>
+                <a:ext cx="2076450" cy="685800"/>
+              </a:xfrm>
+              <a:custGeom>
+                <a:avLst/>
+                <a:gdLst/>
+                <a:cxnLst>
+                  <a:cxn ang="3cd4">
+                    <a:pos x="hc" y="t"/>
+                  </a:cxn>
+                  <a:cxn ang="cd2">
+                    <a:pos x="l" y="vc"/>
+                  </a:cxn>
+                  <a:cxn ang="cd4">
+                    <a:pos x="hc" y="b"/>
+                  </a:cxn>
+                  <a:cxn ang="0">
+                    <a:pos x="r" y="vc"/>
+                  </a:cxn>
+                </a:cxnLst>
+                <a:rect l="l" t="t" r="r" b="b"/>
+                <a:pathLst>
+                  <a:path w="914400" h="914400">
+                    <a:moveTo>
+                      <a:pt x="0" y="0"/>
+                    </a:moveTo>
+                    <a:lnTo>
+                      <a:pt x="914400" y="0"/>
+                    </a:lnTo>
+                    <a:lnTo>
+                      <a:pt x="914400" y="914400"/>
+                    </a:lnTo>
+                    <a:lnTo>
+                      <a:pt x="0" y="914400"/>
+                    </a:lnTo>
+                    <a:close/>
+                  </a:path>
+                </a:pathLst>
+              </a:custGeom>
+            </p:spPr>
+            <p:txBody>
+              <a:bodyPr/>
+              <a:lstStyle/>
+              <a:p>
+                <a:pPr algn="l"/>
+                <a14:m xmlns:m="http://schemas.openxmlformats.org/officeDocument/2006/math">
+                  <m:oMathPara>
+                    <m:oMathParaPr>
+                      <m:jc m:val="left"/>
+                    </m:oMathParaPr>
+                    <m:oMath xmlns:m="http://schemas.openxmlformats.org/officeDocument/2006/math">
+                      <m:r>
+                        <a:rPr sz="1600" i="0">
+                          <a:latin typeface="Cambria Math"/>
+                          <a:sym typeface="Cambria Math"/>
+                        </a:rPr>
+                        <m:t>∴</m:t>
+                      </m:r>
+                      <m:r>
+                        <a:rPr sz="1600" i="0">
+                          <a:latin typeface="Cambria Math"/>
+                          <a:sym typeface="Cambria Math"/>
+                        </a:rPr>
+                        <m:t xml:space="preserve"> Sup </m:t>
+                      </m:r>
+                      <m:sSub>
+                        <m:sSubPr>
+                          <m:ctrlPr>
+                            <a:rPr sz="1600" i="0">
+                              <a:latin typeface="Cambria Math"/>
+                              <a:sym typeface="Cambria Math"/>
+                            </a:rPr>
+                          </m:ctrlPr>
+                        </m:sSubPr>
+                        <m:e>
+                          <m:r>
+                            <a:rPr sz="1600" i="0">
+                              <a:latin typeface="Cambria Math"/>
+                              <a:sym typeface="Cambria Math"/>
+                            </a:rPr>
+                            <m:t>A</m:t>
+                          </m:r>
+                        </m:e>
+                        <m:sub>
+                          <m:r>
+                            <a:rPr sz="1600" i="0">
+                              <a:latin typeface="Cambria Math"/>
+                              <a:sym typeface="Cambria Math"/>
+                            </a:rPr>
+                            <m:t>α</m:t>
+                          </m:r>
+                        </m:sub>
+                      </m:sSub>
+                      <m:r>
+                        <a:rPr sz="1600" i="0">
+                          <a:latin typeface="Cambria Math"/>
+                          <a:sym typeface="Cambria Math"/>
+                        </a:rPr>
+                        <m:t xml:space="preserve"> </m:t>
+                      </m:r>
+                      <m:r>
+                        <a:rPr sz="1600" i="0">
+                          <a:latin typeface="Cambria Math"/>
+                          <a:sym typeface="Cambria Math"/>
+                        </a:rPr>
+                        <m:t>≤</m:t>
+                      </m:r>
+                      <m:r>
+                        <a:rPr sz="1600" i="0">
+                          <a:latin typeface="Cambria Math"/>
+                          <a:sym typeface="Cambria Math"/>
+                        </a:rPr>
+                        <m:t xml:space="preserve"> Sup </m:t>
+                      </m:r>
+                      <m:sSub>
+                        <m:sSubPr>
+                          <m:ctrlPr>
+                            <a:rPr sz="1600" i="0">
+                              <a:latin typeface="Cambria Math"/>
+                              <a:sym typeface="Cambria Math"/>
+                            </a:rPr>
+                          </m:ctrlPr>
+                        </m:sSubPr>
+                        <m:e>
+                          <m:r>
+                            <a:rPr sz="1600" i="0">
+                              <a:latin typeface="Cambria Math"/>
+                              <a:sym typeface="Cambria Math"/>
+                            </a:rPr>
+                            <m:t>B</m:t>
+                          </m:r>
+                        </m:e>
+                        <m:sub>
+                          <m:r>
+                            <a:rPr sz="1600" i="0">
+                              <a:latin typeface="Cambria Math"/>
+                              <a:sym typeface="Cambria Math"/>
+                            </a:rPr>
+                            <m:t>α</m:t>
+                          </m:r>
+                        </m:sub>
+                      </m:sSub>
+                    </m:oMath>
+                  </m:oMathPara>
+                </a14:m>
+              </a:p>
+              <a:p>
+                <a:pPr algn="l"/>
+                <a14:m xmlns:m="http://schemas.openxmlformats.org/officeDocument/2006/math">
+                  <m:oMathPara>
+                    <m:oMathParaPr>
+                      <m:jc m:val="left"/>
+                    </m:oMathParaPr>
+                    <m:oMath xmlns:m="http://schemas.openxmlformats.org/officeDocument/2006/math">
+                      <m:r>
+                        <a:rPr sz="1600" i="0">
+                          <a:latin typeface="Cambria Math"/>
+                          <a:sym typeface="Cambria Math"/>
+                        </a:rPr>
+                        <m:t xml:space="preserve">     Inf </m:t>
+                      </m:r>
+                      <m:sSub>
+                        <m:sSubPr>
+                          <m:ctrlPr>
+                            <a:rPr sz="1600" i="0">
+                              <a:latin typeface="Cambria Math"/>
+                              <a:sym typeface="Cambria Math"/>
+                            </a:rPr>
+                          </m:ctrlPr>
+                        </m:sSubPr>
+                        <m:e>
+                          <m:r>
+                            <a:rPr sz="1600" i="0">
+                              <a:latin typeface="Cambria Math"/>
+                              <a:sym typeface="Cambria Math"/>
+                            </a:rPr>
+                            <m:t>A</m:t>
+                          </m:r>
+                        </m:e>
+                        <m:sub>
+                          <m:r>
+                            <a:rPr sz="1600" i="0">
+                              <a:latin typeface="Cambria Math"/>
+                              <a:sym typeface="Cambria Math"/>
+                            </a:rPr>
+                            <m:t>α</m:t>
+                          </m:r>
+                        </m:sub>
+                      </m:sSub>
+                      <m:r>
+                        <a:rPr sz="1600" i="0">
+                          <a:latin typeface="Cambria Math"/>
+                          <a:sym typeface="Cambria Math"/>
+                        </a:rPr>
+                        <m:t xml:space="preserve">   </m:t>
+                      </m:r>
+                      <m:r>
+                        <a:rPr sz="1600" i="0">
+                          <a:latin typeface="Cambria Math"/>
+                          <a:sym typeface="Cambria Math"/>
+                        </a:rPr>
+                        <m:t>≤</m:t>
+                      </m:r>
+                      <m:r>
+                        <a:rPr sz="1600" i="0">
+                          <a:latin typeface="Cambria Math"/>
+                          <a:sym typeface="Cambria Math"/>
+                        </a:rPr>
+                        <m:t xml:space="preserve">  Inf </m:t>
+                      </m:r>
+                      <m:sSub>
+                        <m:sSubPr>
+                          <m:ctrlPr>
+                            <a:rPr sz="1600" i="0">
+                              <a:latin typeface="Cambria Math"/>
+                              <a:sym typeface="Cambria Math"/>
+                            </a:rPr>
+                          </m:ctrlPr>
+                        </m:sSubPr>
+                        <m:e>
+                          <m:r>
+                            <a:rPr sz="1600" i="0">
+                              <a:latin typeface="Cambria Math"/>
+                              <a:sym typeface="Cambria Math"/>
+                            </a:rPr>
+                            <m:t>B</m:t>
+                          </m:r>
+                        </m:e>
+                        <m:sub>
+                          <m:r>
+                            <a:rPr sz="1600" i="0">
+                              <a:latin typeface="Cambria Math"/>
+                              <a:sym typeface="Cambria Math"/>
+                            </a:rPr>
+                            <m:t>α</m:t>
+                          </m:r>
+                        </m:sub>
+                      </m:sSub>
+                    </m:oMath>
+                  </m:oMathPara>
+                </a14:m>
+              </a:p>
+            </p:txBody>
+          </p:sp>
+        </mc:Choice>
+        <mc:Fallback>
+          <p:sp>
+            <p:nvSpPr>
+              <p:cNvPr id="41" name=""/>
+              <p:cNvSpPr txBox="1"/>
+              <p:nvPr/>
+            </p:nvSpPr>
+            <p:spPr>
+              <a:xfrm>
+                <a:off x="6364062" y="5099957"/>
+                <a:ext cx="2076450" cy="685800"/>
+              </a:xfrm>
+              <a:prstGeom prst="rect">
+                <a:avLst/>
+              </a:prstGeom>
+              <a:blipFill rotWithShape="1">
+                <a:blip r:embed="rId9"/>
                 <a:stretch>
                   <a:fillRect/>
                 </a:stretch>
@@ -22284,7 +23562,49 @@
                           <a:latin typeface="Cambria Math"/>
                           <a:sym typeface="Cambria Math"/>
                         </a:rPr>
-                        <m:t>B=(-9, 2, 5)</m:t>
+                        <m:t>B=(-</m:t>
+                      </m:r>
+                      <m:r>
+                        <a:rPr sz="1500">
+                          <a:latin typeface="Cambria Math"/>
+                          <a:sym typeface="Cambria Math"/>
+                        </a:rPr>
+                        <m:t>1</m:t>
+                      </m:r>
+                      <m:r>
+                        <a:rPr sz="1500">
+                          <a:latin typeface="Cambria Math"/>
+                          <a:sym typeface="Cambria Math"/>
+                        </a:rPr>
+                        <m:t xml:space="preserve">, </m:t>
+                      </m:r>
+                      <m:r>
+                        <a:rPr sz="1500">
+                          <a:latin typeface="Cambria Math"/>
+                          <a:sym typeface="Cambria Math"/>
+                        </a:rPr>
+                        <m:t>0</m:t>
+                      </m:r>
+                      <m:r>
+                        <a:rPr sz="1500">
+                          <a:latin typeface="Cambria Math"/>
+                          <a:sym typeface="Cambria Math"/>
+                        </a:rPr>
+                        <m:t xml:space="preserve">, </m:t>
+                      </m:r>
+                      <m:r>
+                        <a:rPr sz="1500">
+                          <a:latin typeface="Cambria Math"/>
+                          <a:sym typeface="Cambria Math"/>
+                        </a:rPr>
+                        <m:t>6</m:t>
+                      </m:r>
+                      <m:r>
+                        <a:rPr sz="1500">
+                          <a:latin typeface="Cambria Math"/>
+                          <a:sym typeface="Cambria Math"/>
+                        </a:rPr>
+                        <m:t>)</m:t>
                       </m:r>
                     </m:oMath>
                   </m:oMathPara>
@@ -23321,13 +24641,13 @@
         <mc:Choice xmlns:a14="http://schemas.microsoft.com/office/drawing/2010/main" Requires="a14">
           <p:sp>
             <p:nvSpPr>
-              <p:cNvPr id="41" name=""/>
+              <p:cNvPr id="42" name=""/>
               <p:cNvSpPr/>
               <p:nvPr/>
             </p:nvSpPr>
             <p:spPr>
               <a:xfrm>
-                <a:off x="693964" y="1811788"/>
+                <a:off x="680356" y="1825396"/>
                 <a:ext cx="1552575" cy="771525"/>
               </a:xfrm>
               <a:custGeom>
@@ -23421,7 +24741,49 @@
                           <a:latin typeface="Cambria Math"/>
                           <a:sym typeface="Cambria Math"/>
                         </a:rPr>
-                        <m:t>B=(-9, 2, 5)</m:t>
+                        <m:t>B=(-</m:t>
+                      </m:r>
+                      <m:r>
+                        <a:rPr sz="1500">
+                          <a:latin typeface="Cambria Math"/>
+                          <a:sym typeface="Cambria Math"/>
+                        </a:rPr>
+                        <m:t>1</m:t>
+                      </m:r>
+                      <m:r>
+                        <a:rPr sz="1500">
+                          <a:latin typeface="Cambria Math"/>
+                          <a:sym typeface="Cambria Math"/>
+                        </a:rPr>
+                        <m:t xml:space="preserve">, </m:t>
+                      </m:r>
+                      <m:r>
+                        <a:rPr sz="1500">
+                          <a:latin typeface="Cambria Math"/>
+                          <a:sym typeface="Cambria Math"/>
+                        </a:rPr>
+                        <m:t>0</m:t>
+                      </m:r>
+                      <m:r>
+                        <a:rPr sz="1500">
+                          <a:latin typeface="Cambria Math"/>
+                          <a:sym typeface="Cambria Math"/>
+                        </a:rPr>
+                        <m:t xml:space="preserve">, </m:t>
+                      </m:r>
+                      <m:r>
+                        <a:rPr sz="1500">
+                          <a:latin typeface="Cambria Math"/>
+                          <a:sym typeface="Cambria Math"/>
+                        </a:rPr>
+                        <m:t>6</m:t>
+                      </m:r>
+                      <m:r>
+                        <a:rPr sz="1500">
+                          <a:latin typeface="Cambria Math"/>
+                          <a:sym typeface="Cambria Math"/>
+                        </a:rPr>
+                        <m:t>)</m:t>
                       </m:r>
                     </m:oMath>
                   </m:oMathPara>
@@ -23433,13 +24795,13 @@
         <mc:Fallback>
           <p:sp>
             <p:nvSpPr>
-              <p:cNvPr id="41" name=""/>
+              <p:cNvPr id="42" name=""/>
               <p:cNvSpPr txBox="1"/>
               <p:nvPr/>
             </p:nvSpPr>
             <p:spPr>
               <a:xfrm>
-                <a:off x="693964" y="1811788"/>
+                <a:off x="680356" y="1825396"/>
                 <a:ext cx="1552575" cy="771525"/>
               </a:xfrm>
               <a:prstGeom prst="rect">
